--- a/[2025_김태훈]XM125.pptx
+++ b/[2025_김태훈]XM125.pptx
@@ -5,7 +5,7 @@
     <p:sldMasterId id="2147483855" r:id="rId1"/>
   </p:sldMasterIdLst>
   <p:notesMasterIdLst>
-    <p:notesMasterId r:id="rId27"/>
+    <p:notesMasterId r:id="rId33"/>
   </p:notesMasterIdLst>
   <p:sldIdLst>
     <p:sldId id="256" r:id="rId2"/>
@@ -31,8 +31,14 @@
     <p:sldId id="308" r:id="rId22"/>
     <p:sldId id="309" r:id="rId23"/>
     <p:sldId id="310" r:id="rId24"/>
-    <p:sldId id="315" r:id="rId25"/>
-    <p:sldId id="311" r:id="rId26"/>
+    <p:sldId id="317" r:id="rId25"/>
+    <p:sldId id="318" r:id="rId26"/>
+    <p:sldId id="321" r:id="rId27"/>
+    <p:sldId id="315" r:id="rId28"/>
+    <p:sldId id="311" r:id="rId29"/>
+    <p:sldId id="316" r:id="rId30"/>
+    <p:sldId id="319" r:id="rId31"/>
+    <p:sldId id="320" r:id="rId32"/>
   </p:sldIdLst>
   <p:sldSz cx="9144000" cy="6858000" type="screen4x3"/>
   <p:notesSz cx="6797675" cy="9926638"/>
@@ -304,7 +310,7 @@
               <a:pPr>
                 <a:defRPr/>
               </a:pPr>
-              <a:t>2025-03-12</a:t>
+              <a:t>2025-03-14</a:t>
             </a:fld>
             <a:endParaRPr lang="ko-KR" altLang="en-US"/>
           </a:p>
@@ -629,6 +635,96 @@
     </a:lvl9pPr>
   </p:notesStyle>
 </p:notesMaster>
+</file>
+
+<file path=ppt/notesSlides/notesSlide1.xml><?xml version="1.0" encoding="utf-8"?>
+<p:notes xmlns:a="http://schemas.openxmlformats.org/drawingml/2006/main" xmlns:r="http://schemas.openxmlformats.org/officeDocument/2006/relationships" xmlns:p="http://schemas.openxmlformats.org/presentationml/2006/main">
+  <p:cSld>
+    <p:spTree>
+      <p:nvGrpSpPr>
+        <p:cNvPr id="1" name=""/>
+        <p:cNvGrpSpPr/>
+        <p:nvPr/>
+      </p:nvGrpSpPr>
+      <p:grpSpPr>
+        <a:xfrm>
+          <a:off x="0" y="0"/>
+          <a:ext cx="0" cy="0"/>
+          <a:chOff x="0" y="0"/>
+          <a:chExt cx="0" cy="0"/>
+        </a:xfrm>
+      </p:grpSpPr>
+      <p:sp>
+        <p:nvSpPr>
+          <p:cNvPr id="2" name="슬라이드 이미지 개체 틀 1"/>
+          <p:cNvSpPr>
+            <a:spLocks noGrp="1" noRot="1" noChangeAspect="1"/>
+          </p:cNvSpPr>
+          <p:nvPr>
+            <p:ph type="sldImg"/>
+          </p:nvPr>
+        </p:nvSpPr>
+        <p:spPr/>
+      </p:sp>
+      <p:sp>
+        <p:nvSpPr>
+          <p:cNvPr id="3" name="슬라이드 노트 개체 틀 2"/>
+          <p:cNvSpPr>
+            <a:spLocks noGrp="1"/>
+          </p:cNvSpPr>
+          <p:nvPr>
+            <p:ph type="body" idx="1"/>
+          </p:nvPr>
+        </p:nvSpPr>
+        <p:spPr/>
+        <p:txBody>
+          <a:bodyPr/>
+          <a:lstStyle/>
+          <a:p>
+            <a:endParaRPr lang="ko-KR" altLang="en-US" dirty="0"/>
+          </a:p>
+        </p:txBody>
+      </p:sp>
+      <p:sp>
+        <p:nvSpPr>
+          <p:cNvPr id="4" name="슬라이드 번호 개체 틀 3"/>
+          <p:cNvSpPr>
+            <a:spLocks noGrp="1"/>
+          </p:cNvSpPr>
+          <p:nvPr>
+            <p:ph type="sldNum" sz="quarter" idx="5"/>
+          </p:nvPr>
+        </p:nvSpPr>
+        <p:spPr/>
+        <p:txBody>
+          <a:bodyPr/>
+          <a:lstStyle/>
+          <a:p>
+            <a:pPr>
+              <a:defRPr/>
+            </a:pPr>
+            <a:fld id="{9704BDEB-2622-494F-914E-41CA57E9214C}" type="slidenum">
+              <a:rPr lang="ko-KR" altLang="en-US" smtClean="0"/>
+              <a:pPr>
+                <a:defRPr/>
+              </a:pPr>
+              <a:t>26</a:t>
+            </a:fld>
+            <a:endParaRPr lang="ko-KR" altLang="en-US"/>
+          </a:p>
+        </p:txBody>
+      </p:sp>
+    </p:spTree>
+    <p:extLst>
+      <p:ext uri="{BB962C8B-B14F-4D97-AF65-F5344CB8AC3E}">
+        <p14:creationId xmlns:p14="http://schemas.microsoft.com/office/powerpoint/2010/main" val="2267037014"/>
+      </p:ext>
+    </p:extLst>
+  </p:cSld>
+  <p:clrMapOvr>
+    <a:masterClrMapping/>
+  </p:clrMapOvr>
+</p:notes>
 </file>
 
 <file path=ppt/slideLayouts/slideLayout1.xml><?xml version="1.0" encoding="utf-8"?>
@@ -13975,6 +14071,25 @@
               <a:rPr lang="en-US" altLang="ko-KR" dirty="0"/>
               <a:t>print real parts and imaginary parts of the receive signals</a:t>
             </a:r>
+          </a:p>
+          <a:p>
+            <a:pPr lvl="2"/>
+            <a:r>
+              <a:rPr lang="en-US" altLang="ko-KR" dirty="0" err="1"/>
+              <a:t>Sweep_per_frame</a:t>
+            </a:r>
+            <a:r>
+              <a:rPr lang="en-US" altLang="ko-KR" dirty="0"/>
+              <a:t> x </a:t>
+            </a:r>
+            <a:r>
+              <a:rPr lang="en-US" altLang="ko-KR" dirty="0" err="1"/>
+              <a:t>num_points</a:t>
+            </a:r>
+            <a:endParaRPr lang="en-US" altLang="ko-KR" dirty="0"/>
+          </a:p>
+          <a:p>
+            <a:pPr lvl="3"/>
             <a:endParaRPr lang="ko-KR" altLang="en-US" dirty="0"/>
           </a:p>
         </p:txBody>
@@ -14036,8 +14151,8 @@
         </p:blipFill>
         <p:spPr>
           <a:xfrm>
-            <a:off x="1769804" y="2132856"/>
-            <a:ext cx="5604391" cy="4248200"/>
+            <a:off x="2195736" y="2527746"/>
+            <a:ext cx="5034443" cy="3816172"/>
           </a:xfrm>
           <a:prstGeom prst="rect">
             <a:avLst/>
@@ -14207,42 +14322,6 @@
           </a:p>
         </p:txBody>
       </p:sp>
-      <p:pic>
-        <p:nvPicPr>
-          <p:cNvPr id="6" name="그림 5" descr="텍스트, 도표, 그래프, 번호이(가) 표시된 사진&#10;&#10;AI가 생성한 콘텐츠는 부정확할 수 있습니다.">
-            <a:extLst>
-              <a:ext uri="{FF2B5EF4-FFF2-40B4-BE49-F238E27FC236}">
-                <a16:creationId xmlns:a16="http://schemas.microsoft.com/office/drawing/2014/main" id="{BDEB7901-81B1-418F-9D5D-386DFB93759E}"/>
-              </a:ext>
-            </a:extLst>
-          </p:cNvPr>
-          <p:cNvPicPr>
-            <a:picLocks noChangeAspect="1"/>
-          </p:cNvPicPr>
-          <p:nvPr/>
-        </p:nvPicPr>
-        <p:blipFill>
-          <a:blip r:embed="rId2">
-            <a:extLst>
-              <a:ext uri="{28A0092B-C50C-407E-A947-70E740481C1C}">
-                <a14:useLocalDpi xmlns:a14="http://schemas.microsoft.com/office/drawing/2010/main" val="0"/>
-              </a:ext>
-            </a:extLst>
-          </a:blip>
-          <a:stretch>
-            <a:fillRect/>
-          </a:stretch>
-        </p:blipFill>
-        <p:spPr>
-          <a:xfrm>
-            <a:off x="1775624" y="2060848"/>
-            <a:ext cx="5247114" cy="4372595"/>
-          </a:xfrm>
-          <a:prstGeom prst="rect">
-            <a:avLst/>
-          </a:prstGeom>
-        </p:spPr>
-      </p:pic>
       <p:sp>
         <p:nvSpPr>
           <p:cNvPr id="7" name="TextBox 6">
@@ -14283,6 +14362,42 @@
           </a:p>
         </p:txBody>
       </p:sp>
+      <p:pic>
+        <p:nvPicPr>
+          <p:cNvPr id="10" name="그림 9" descr="텍스트, 도표, 그래프, 라인이(가) 표시된 사진&#10;&#10;AI가 생성한 콘텐츠는 부정확할 수 있습니다.">
+            <a:extLst>
+              <a:ext uri="{FF2B5EF4-FFF2-40B4-BE49-F238E27FC236}">
+                <a16:creationId xmlns:a16="http://schemas.microsoft.com/office/drawing/2014/main" id="{D873F14C-1E8D-78BE-5A16-DAB36D3E4462}"/>
+              </a:ext>
+            </a:extLst>
+          </p:cNvPr>
+          <p:cNvPicPr>
+            <a:picLocks noChangeAspect="1"/>
+          </p:cNvPicPr>
+          <p:nvPr/>
+        </p:nvPicPr>
+        <p:blipFill>
+          <a:blip r:embed="rId2" cstate="print">
+            <a:extLst>
+              <a:ext uri="{28A0092B-C50C-407E-A947-70E740481C1C}">
+                <a14:useLocalDpi xmlns:a14="http://schemas.microsoft.com/office/drawing/2010/main" val="0"/>
+              </a:ext>
+            </a:extLst>
+          </a:blip>
+          <a:stretch>
+            <a:fillRect/>
+          </a:stretch>
+        </p:blipFill>
+        <p:spPr>
+          <a:xfrm>
+            <a:off x="1615575" y="1916833"/>
+            <a:ext cx="5239851" cy="4366542"/>
+          </a:xfrm>
+          <a:prstGeom prst="rect">
+            <a:avLst/>
+          </a:prstGeom>
+        </p:spPr>
+      </p:pic>
     </p:spTree>
     <p:extLst>
       <p:ext uri="{BB962C8B-B14F-4D97-AF65-F5344CB8AC3E}">
@@ -14406,42 +14521,6 @@
           </a:p>
         </p:txBody>
       </p:sp>
-      <p:pic>
-        <p:nvPicPr>
-          <p:cNvPr id="8" name="그림 7" descr="텍스트, 도표, 라인, 그래프이(가) 표시된 사진&#10;&#10;AI가 생성한 콘텐츠는 부정확할 수 있습니다.">
-            <a:extLst>
-              <a:ext uri="{FF2B5EF4-FFF2-40B4-BE49-F238E27FC236}">
-                <a16:creationId xmlns:a16="http://schemas.microsoft.com/office/drawing/2014/main" id="{A8911D6C-AB30-3817-08AE-596932E3BA47}"/>
-              </a:ext>
-            </a:extLst>
-          </p:cNvPr>
-          <p:cNvPicPr>
-            <a:picLocks noChangeAspect="1"/>
-          </p:cNvPicPr>
-          <p:nvPr/>
-        </p:nvPicPr>
-        <p:blipFill>
-          <a:blip r:embed="rId2">
-            <a:extLst>
-              <a:ext uri="{28A0092B-C50C-407E-A947-70E740481C1C}">
-                <a14:useLocalDpi xmlns:a14="http://schemas.microsoft.com/office/drawing/2010/main" val="0"/>
-              </a:ext>
-            </a:extLst>
-          </a:blip>
-          <a:stretch>
-            <a:fillRect/>
-          </a:stretch>
-        </p:blipFill>
-        <p:spPr>
-          <a:xfrm>
-            <a:off x="1187624" y="1916832"/>
-            <a:ext cx="6589179" cy="4392786"/>
-          </a:xfrm>
-          <a:prstGeom prst="rect">
-            <a:avLst/>
-          </a:prstGeom>
-        </p:spPr>
-      </p:pic>
       <p:sp>
         <p:nvSpPr>
           <p:cNvPr id="9" name="TextBox 8">
@@ -14482,6 +14561,42 @@
           </a:p>
         </p:txBody>
       </p:sp>
+      <p:pic>
+        <p:nvPicPr>
+          <p:cNvPr id="6" name="그림 5" descr="텍스트, 도표, 라인, 그래프이(가) 표시된 사진&#10;&#10;AI가 생성한 콘텐츠는 부정확할 수 있습니다.">
+            <a:extLst>
+              <a:ext uri="{FF2B5EF4-FFF2-40B4-BE49-F238E27FC236}">
+                <a16:creationId xmlns:a16="http://schemas.microsoft.com/office/drawing/2014/main" id="{054664CD-C22B-9AE2-E13E-93982EA03EAF}"/>
+              </a:ext>
+            </a:extLst>
+          </p:cNvPr>
+          <p:cNvPicPr>
+            <a:picLocks noChangeAspect="1"/>
+          </p:cNvPicPr>
+          <p:nvPr/>
+        </p:nvPicPr>
+        <p:blipFill>
+          <a:blip r:embed="rId2">
+            <a:extLst>
+              <a:ext uri="{28A0092B-C50C-407E-A947-70E740481C1C}">
+                <a14:useLocalDpi xmlns:a14="http://schemas.microsoft.com/office/drawing/2010/main" val="0"/>
+              </a:ext>
+            </a:extLst>
+          </a:blip>
+          <a:stretch>
+            <a:fillRect/>
+          </a:stretch>
+        </p:blipFill>
+        <p:spPr>
+          <a:xfrm>
+            <a:off x="1364739" y="1967367"/>
+            <a:ext cx="6416787" cy="4277858"/>
+          </a:xfrm>
+          <a:prstGeom prst="rect">
+            <a:avLst/>
+          </a:prstGeom>
+        </p:spPr>
+      </p:pic>
     </p:spTree>
     <p:extLst>
       <p:ext uri="{BB962C8B-B14F-4D97-AF65-F5344CB8AC3E}">
@@ -14605,42 +14720,6 @@
           </a:p>
         </p:txBody>
       </p:sp>
-      <p:pic>
-        <p:nvPicPr>
-          <p:cNvPr id="8" name="그림 7" descr="다채로움, 스크린샷, 도표, 사각형이(가) 표시된 사진&#10;&#10;AI가 생성한 콘텐츠는 부정확할 수 있습니다.">
-            <a:extLst>
-              <a:ext uri="{FF2B5EF4-FFF2-40B4-BE49-F238E27FC236}">
-                <a16:creationId xmlns:a16="http://schemas.microsoft.com/office/drawing/2014/main" id="{76288B58-1DD8-3AD2-5CB6-9B392931FD7D}"/>
-              </a:ext>
-            </a:extLst>
-          </p:cNvPr>
-          <p:cNvPicPr>
-            <a:picLocks noChangeAspect="1"/>
-          </p:cNvPicPr>
-          <p:nvPr/>
-        </p:nvPicPr>
-        <p:blipFill>
-          <a:blip r:embed="rId2">
-            <a:extLst>
-              <a:ext uri="{28A0092B-C50C-407E-A947-70E740481C1C}">
-                <a14:useLocalDpi xmlns:a14="http://schemas.microsoft.com/office/drawing/2010/main" val="0"/>
-              </a:ext>
-            </a:extLst>
-          </a:blip>
-          <a:stretch>
-            <a:fillRect/>
-          </a:stretch>
-        </p:blipFill>
-        <p:spPr>
-          <a:xfrm>
-            <a:off x="579140" y="2276872"/>
-            <a:ext cx="8400935" cy="3600400"/>
-          </a:xfrm>
-          <a:prstGeom prst="rect">
-            <a:avLst/>
-          </a:prstGeom>
-        </p:spPr>
-      </p:pic>
       <p:sp>
         <p:nvSpPr>
           <p:cNvPr id="9" name="TextBox 8">
@@ -14681,6 +14760,42 @@
           </a:p>
         </p:txBody>
       </p:sp>
+      <p:pic>
+        <p:nvPicPr>
+          <p:cNvPr id="6" name="그림 5" descr="스크린샷, 다채로움, 텍스트, 라인이(가) 표시된 사진&#10;&#10;AI가 생성한 콘텐츠는 부정확할 수 있습니다.">
+            <a:extLst>
+              <a:ext uri="{FF2B5EF4-FFF2-40B4-BE49-F238E27FC236}">
+                <a16:creationId xmlns:a16="http://schemas.microsoft.com/office/drawing/2014/main" id="{A326CBA9-F333-C639-6CC3-5D3A14ED2E3E}"/>
+              </a:ext>
+            </a:extLst>
+          </p:cNvPr>
+          <p:cNvPicPr>
+            <a:picLocks noChangeAspect="1"/>
+          </p:cNvPicPr>
+          <p:nvPr/>
+        </p:nvPicPr>
+        <p:blipFill>
+          <a:blip r:embed="rId2">
+            <a:extLst>
+              <a:ext uri="{28A0092B-C50C-407E-A947-70E740481C1C}">
+                <a14:useLocalDpi xmlns:a14="http://schemas.microsoft.com/office/drawing/2010/main" val="0"/>
+              </a:ext>
+            </a:extLst>
+          </a:blip>
+          <a:stretch>
+            <a:fillRect/>
+          </a:stretch>
+        </p:blipFill>
+        <p:spPr>
+          <a:xfrm>
+            <a:off x="196039" y="2010654"/>
+            <a:ext cx="9144000" cy="3918857"/>
+          </a:xfrm>
+          <a:prstGeom prst="rect">
+            <a:avLst/>
+          </a:prstGeom>
+        </p:spPr>
+      </p:pic>
     </p:spTree>
     <p:extLst>
       <p:ext uri="{BB962C8B-B14F-4D97-AF65-F5344CB8AC3E}">
@@ -15000,42 +15115,6 @@
           </a:p>
         </p:txBody>
       </p:sp>
-      <p:pic>
-        <p:nvPicPr>
-          <p:cNvPr id="6" name="그림 5" descr="아동 미술, 그림, 스케치, 종이접기이(가) 표시된 사진&#10;&#10;AI가 생성한 콘텐츠는 부정확할 수 있습니다.">
-            <a:extLst>
-              <a:ext uri="{FF2B5EF4-FFF2-40B4-BE49-F238E27FC236}">
-                <a16:creationId xmlns:a16="http://schemas.microsoft.com/office/drawing/2014/main" id="{411CE8EB-DC61-2BC6-16A6-C1B23F58833A}"/>
-              </a:ext>
-            </a:extLst>
-          </p:cNvPr>
-          <p:cNvPicPr>
-            <a:picLocks noChangeAspect="1"/>
-          </p:cNvPicPr>
-          <p:nvPr/>
-        </p:nvPicPr>
-        <p:blipFill>
-          <a:blip r:embed="rId3" cstate="print">
-            <a:extLst>
-              <a:ext uri="{28A0092B-C50C-407E-A947-70E740481C1C}">
-                <a14:useLocalDpi xmlns:a14="http://schemas.microsoft.com/office/drawing/2010/main" val="0"/>
-              </a:ext>
-            </a:extLst>
-          </a:blip>
-          <a:stretch>
-            <a:fillRect/>
-          </a:stretch>
-        </p:blipFill>
-        <p:spPr>
-          <a:xfrm>
-            <a:off x="1691680" y="2318953"/>
-            <a:ext cx="5348368" cy="4278695"/>
-          </a:xfrm>
-          <a:prstGeom prst="rect">
-            <a:avLst/>
-          </a:prstGeom>
-        </p:spPr>
-      </p:pic>
       <p:sp>
         <p:nvSpPr>
           <p:cNvPr id="7" name="TextBox 6">
@@ -15076,6 +15155,42 @@
           </a:p>
         </p:txBody>
       </p:sp>
+      <p:pic>
+        <p:nvPicPr>
+          <p:cNvPr id="8" name="그림 7" descr="아동 미술, 도표, 스케치이(가) 표시된 사진&#10;&#10;AI가 생성한 콘텐츠는 부정확할 수 있습니다.">
+            <a:extLst>
+              <a:ext uri="{FF2B5EF4-FFF2-40B4-BE49-F238E27FC236}">
+                <a16:creationId xmlns:a16="http://schemas.microsoft.com/office/drawing/2014/main" id="{2CE588FC-17B3-9CD6-E776-5F9A6AFC3B3F}"/>
+              </a:ext>
+            </a:extLst>
+          </p:cNvPr>
+          <p:cNvPicPr>
+            <a:picLocks noChangeAspect="1"/>
+          </p:cNvPicPr>
+          <p:nvPr/>
+        </p:nvPicPr>
+        <p:blipFill>
+          <a:blip r:embed="rId3" cstate="print">
+            <a:extLst>
+              <a:ext uri="{28A0092B-C50C-407E-A947-70E740481C1C}">
+                <a14:useLocalDpi xmlns:a14="http://schemas.microsoft.com/office/drawing/2010/main" val="0"/>
+              </a:ext>
+            </a:extLst>
+          </a:blip>
+          <a:stretch>
+            <a:fillRect/>
+          </a:stretch>
+        </p:blipFill>
+        <p:spPr>
+          <a:xfrm>
+            <a:off x="2078121" y="2407469"/>
+            <a:ext cx="4916320" cy="3933056"/>
+          </a:xfrm>
+          <a:prstGeom prst="rect">
+            <a:avLst/>
+          </a:prstGeom>
+        </p:spPr>
+      </p:pic>
     </p:spTree>
     <p:extLst>
       <p:ext uri="{BB962C8B-B14F-4D97-AF65-F5344CB8AC3E}">
@@ -15199,42 +15314,6 @@
           </a:p>
         </p:txBody>
       </p:sp>
-      <p:pic>
-        <p:nvPicPr>
-          <p:cNvPr id="6" name="그림 5" descr="텍스트, 도표, 라인, 그래프이(가) 표시된 사진&#10;&#10;AI가 생성한 콘텐츠는 부정확할 수 있습니다.">
-            <a:extLst>
-              <a:ext uri="{FF2B5EF4-FFF2-40B4-BE49-F238E27FC236}">
-                <a16:creationId xmlns:a16="http://schemas.microsoft.com/office/drawing/2014/main" id="{55CEB73C-6D3C-9C72-4934-27B14394003D}"/>
-              </a:ext>
-            </a:extLst>
-          </p:cNvPr>
-          <p:cNvPicPr>
-            <a:picLocks noChangeAspect="1"/>
-          </p:cNvPicPr>
-          <p:nvPr/>
-        </p:nvPicPr>
-        <p:blipFill>
-          <a:blip r:embed="rId2">
-            <a:extLst>
-              <a:ext uri="{28A0092B-C50C-407E-A947-70E740481C1C}">
-                <a14:useLocalDpi xmlns:a14="http://schemas.microsoft.com/office/drawing/2010/main" val="0"/>
-              </a:ext>
-            </a:extLst>
-          </a:blip>
-          <a:stretch>
-            <a:fillRect/>
-          </a:stretch>
-        </p:blipFill>
-        <p:spPr>
-          <a:xfrm>
-            <a:off x="1475656" y="2060848"/>
-            <a:ext cx="6451204" cy="4300802"/>
-          </a:xfrm>
-          <a:prstGeom prst="rect">
-            <a:avLst/>
-          </a:prstGeom>
-        </p:spPr>
-      </p:pic>
       <p:sp>
         <p:nvSpPr>
           <p:cNvPr id="7" name="TextBox 6">
@@ -15275,6 +15354,42 @@
           </a:p>
         </p:txBody>
       </p:sp>
+      <p:pic>
+        <p:nvPicPr>
+          <p:cNvPr id="8" name="그림 7" descr="텍스트, 도표, 라인, 그래프이(가) 표시된 사진&#10;&#10;AI가 생성한 콘텐츠는 부정확할 수 있습니다.">
+            <a:extLst>
+              <a:ext uri="{FF2B5EF4-FFF2-40B4-BE49-F238E27FC236}">
+                <a16:creationId xmlns:a16="http://schemas.microsoft.com/office/drawing/2014/main" id="{03A10B34-5C3D-87A8-9EAE-1D740597EA9A}"/>
+              </a:ext>
+            </a:extLst>
+          </p:cNvPr>
+          <p:cNvPicPr>
+            <a:picLocks noChangeAspect="1"/>
+          </p:cNvPicPr>
+          <p:nvPr/>
+        </p:nvPicPr>
+        <p:blipFill>
+          <a:blip r:embed="rId2">
+            <a:extLst>
+              <a:ext uri="{28A0092B-C50C-407E-A947-70E740481C1C}">
+                <a14:useLocalDpi xmlns:a14="http://schemas.microsoft.com/office/drawing/2010/main" val="0"/>
+              </a:ext>
+            </a:extLst>
+          </a:blip>
+          <a:stretch>
+            <a:fillRect/>
+          </a:stretch>
+        </p:blipFill>
+        <p:spPr>
+          <a:xfrm>
+            <a:off x="1186662" y="1844824"/>
+            <a:ext cx="6699237" cy="4466158"/>
+          </a:xfrm>
+          <a:prstGeom prst="rect">
+            <a:avLst/>
+          </a:prstGeom>
+        </p:spPr>
+      </p:pic>
     </p:spTree>
     <p:extLst>
       <p:ext uri="{BB962C8B-B14F-4D97-AF65-F5344CB8AC3E}">
@@ -16271,6 +16386,800 @@
           <p:cNvPr id="2" name="제목 1">
             <a:extLst>
               <a:ext uri="{FF2B5EF4-FFF2-40B4-BE49-F238E27FC236}">
+                <a16:creationId xmlns:a16="http://schemas.microsoft.com/office/drawing/2014/main" id="{429DAC7F-E0C4-5324-E366-61DA9B2D5F41}"/>
+              </a:ext>
+            </a:extLst>
+          </p:cNvPr>
+          <p:cNvSpPr>
+            <a:spLocks noGrp="1"/>
+          </p:cNvSpPr>
+          <p:nvPr>
+            <p:ph type="title"/>
+          </p:nvPr>
+        </p:nvSpPr>
+        <p:spPr/>
+        <p:txBody>
+          <a:bodyPr/>
+          <a:lstStyle/>
+          <a:p>
+            <a:r>
+              <a:rPr lang="en-US" altLang="ko-KR" dirty="0"/>
+              <a:t>CLI</a:t>
+            </a:r>
+            <a:r>
+              <a:rPr lang="ko-KR" altLang="en-US" dirty="0"/>
+              <a:t> </a:t>
+            </a:r>
+            <a:r>
+              <a:rPr lang="en-US" altLang="ko-KR" dirty="0"/>
+              <a:t>results</a:t>
+            </a:r>
+            <a:r>
+              <a:rPr lang="ko-KR" altLang="en-US" dirty="0"/>
+              <a:t> </a:t>
+            </a:r>
+            <a:r>
+              <a:rPr lang="en-US" altLang="ko-KR" dirty="0"/>
+              <a:t>(cont’d)</a:t>
+            </a:r>
+            <a:endParaRPr lang="ko-KR" altLang="en-US" dirty="0"/>
+          </a:p>
+        </p:txBody>
+      </p:sp>
+      <p:sp>
+        <p:nvSpPr>
+          <p:cNvPr id="3" name="내용 개체 틀 2">
+            <a:extLst>
+              <a:ext uri="{FF2B5EF4-FFF2-40B4-BE49-F238E27FC236}">
+                <a16:creationId xmlns:a16="http://schemas.microsoft.com/office/drawing/2014/main" id="{49D949F1-518F-C2ED-8325-FCB79200C637}"/>
+              </a:ext>
+            </a:extLst>
+          </p:cNvPr>
+          <p:cNvSpPr>
+            <a:spLocks noGrp="1"/>
+          </p:cNvSpPr>
+          <p:nvPr>
+            <p:ph idx="1"/>
+          </p:nvPr>
+        </p:nvSpPr>
+        <p:spPr/>
+        <p:txBody>
+          <a:bodyPr/>
+          <a:lstStyle/>
+          <a:p>
+            <a:r>
+              <a:rPr lang="en-US" altLang="ko-KR" dirty="0"/>
+              <a:t>Distance measurement</a:t>
+            </a:r>
+          </a:p>
+          <a:p>
+            <a:pPr lvl="1"/>
+            <a:r>
+              <a:rPr lang="pt-BR" altLang="ko-KR" dirty="0"/>
+              <a:t>Modify examples/a121/algo/distance/processor.py</a:t>
+            </a:r>
+            <a:endParaRPr lang="ko-KR" altLang="en-US" dirty="0"/>
+          </a:p>
+        </p:txBody>
+      </p:sp>
+      <p:sp>
+        <p:nvSpPr>
+          <p:cNvPr id="4" name="슬라이드 번호 개체 틀 3">
+            <a:extLst>
+              <a:ext uri="{FF2B5EF4-FFF2-40B4-BE49-F238E27FC236}">
+                <a16:creationId xmlns:a16="http://schemas.microsoft.com/office/drawing/2014/main" id="{FD77A4A4-D5E5-F04E-9D8A-BBB49927225E}"/>
+              </a:ext>
+            </a:extLst>
+          </p:cNvPr>
+          <p:cNvSpPr>
+            <a:spLocks noGrp="1"/>
+          </p:cNvSpPr>
+          <p:nvPr>
+            <p:ph type="sldNum" sz="quarter" idx="12"/>
+          </p:nvPr>
+        </p:nvSpPr>
+        <p:spPr/>
+        <p:txBody>
+          <a:bodyPr/>
+          <a:lstStyle/>
+          <a:p>
+            <a:pPr>
+              <a:defRPr/>
+            </a:pPr>
+            <a:fld id="{9ADE4ED7-93FA-4B85-98AD-405EEE6C66D8}" type="slidenum">
+              <a:rPr lang="ko-KR" altLang="en-US" smtClean="0"/>
+              <a:pPr>
+                <a:defRPr/>
+              </a:pPr>
+              <a:t>24</a:t>
+            </a:fld>
+            <a:endParaRPr lang="ko-KR" altLang="en-US" dirty="0"/>
+          </a:p>
+        </p:txBody>
+      </p:sp>
+      <p:pic>
+        <p:nvPicPr>
+          <p:cNvPr id="6" name="그림 5">
+            <a:extLst>
+              <a:ext uri="{FF2B5EF4-FFF2-40B4-BE49-F238E27FC236}">
+                <a16:creationId xmlns:a16="http://schemas.microsoft.com/office/drawing/2014/main" id="{4798A3CA-A7A3-7487-5C62-BA5E89B7CCB4}"/>
+              </a:ext>
+            </a:extLst>
+          </p:cNvPr>
+          <p:cNvPicPr>
+            <a:picLocks noChangeAspect="1"/>
+          </p:cNvPicPr>
+          <p:nvPr/>
+        </p:nvPicPr>
+        <p:blipFill>
+          <a:blip r:embed="rId2"/>
+          <a:stretch>
+            <a:fillRect/>
+          </a:stretch>
+        </p:blipFill>
+        <p:spPr>
+          <a:xfrm>
+            <a:off x="488250" y="3317896"/>
+            <a:ext cx="3790950" cy="2190750"/>
+          </a:xfrm>
+          <a:prstGeom prst="rect">
+            <a:avLst/>
+          </a:prstGeom>
+        </p:spPr>
+      </p:pic>
+      <p:pic>
+        <p:nvPicPr>
+          <p:cNvPr id="8" name="그림 7">
+            <a:extLst>
+              <a:ext uri="{FF2B5EF4-FFF2-40B4-BE49-F238E27FC236}">
+                <a16:creationId xmlns:a16="http://schemas.microsoft.com/office/drawing/2014/main" id="{A8A81286-6AEA-5800-5AF8-03E941D41606}"/>
+              </a:ext>
+            </a:extLst>
+          </p:cNvPr>
+          <p:cNvPicPr>
+            <a:picLocks noChangeAspect="1"/>
+          </p:cNvPicPr>
+          <p:nvPr/>
+        </p:nvPicPr>
+        <p:blipFill>
+          <a:blip r:embed="rId3"/>
+          <a:stretch>
+            <a:fillRect/>
+          </a:stretch>
+        </p:blipFill>
+        <p:spPr>
+          <a:xfrm>
+            <a:off x="4593922" y="2636912"/>
+            <a:ext cx="4123928" cy="3297821"/>
+          </a:xfrm>
+          <a:prstGeom prst="rect">
+            <a:avLst/>
+          </a:prstGeom>
+        </p:spPr>
+      </p:pic>
+      <p:sp>
+        <p:nvSpPr>
+          <p:cNvPr id="9" name="TextBox 8">
+            <a:extLst>
+              <a:ext uri="{FF2B5EF4-FFF2-40B4-BE49-F238E27FC236}">
+                <a16:creationId xmlns:a16="http://schemas.microsoft.com/office/drawing/2014/main" id="{720A6DA9-46CE-8C82-8E58-D409803880F1}"/>
+              </a:ext>
+            </a:extLst>
+          </p:cNvPr>
+          <p:cNvSpPr txBox="1"/>
+          <p:nvPr/>
+        </p:nvSpPr>
+        <p:spPr>
+          <a:xfrm>
+            <a:off x="3122368" y="6091336"/>
+            <a:ext cx="2827825" cy="307777"/>
+          </a:xfrm>
+          <a:prstGeom prst="rect">
+            <a:avLst/>
+          </a:prstGeom>
+          <a:noFill/>
+        </p:spPr>
+        <p:txBody>
+          <a:bodyPr wrap="none" rtlCol="0">
+            <a:spAutoFit/>
+          </a:bodyPr>
+          <a:lstStyle/>
+          <a:p>
+            <a:r>
+              <a:rPr lang="en-US" altLang="ko-KR" sz="1400" dirty="0">
+                <a:latin typeface="+mj-lt"/>
+              </a:rPr>
+              <a:t>Figure 22. Distance measurement</a:t>
+            </a:r>
+            <a:endParaRPr lang="ko-KR" altLang="en-US" sz="1400" dirty="0">
+              <a:latin typeface="+mj-lt"/>
+            </a:endParaRPr>
+          </a:p>
+        </p:txBody>
+      </p:sp>
+    </p:spTree>
+    <p:extLst>
+      <p:ext uri="{BB962C8B-B14F-4D97-AF65-F5344CB8AC3E}">
+        <p14:creationId xmlns:p14="http://schemas.microsoft.com/office/powerpoint/2010/main" val="3441429983"/>
+      </p:ext>
+    </p:extLst>
+  </p:cSld>
+  <p:clrMapOvr>
+    <a:masterClrMapping/>
+  </p:clrMapOvr>
+</p:sld>
+</file>
+
+<file path=ppt/slides/slide25.xml><?xml version="1.0" encoding="utf-8"?>
+<p:sld xmlns:a="http://schemas.openxmlformats.org/drawingml/2006/main" xmlns:r="http://schemas.openxmlformats.org/officeDocument/2006/relationships" xmlns:p="http://schemas.openxmlformats.org/presentationml/2006/main">
+  <p:cSld>
+    <p:spTree>
+      <p:nvGrpSpPr>
+        <p:cNvPr id="1" name=""/>
+        <p:cNvGrpSpPr/>
+        <p:nvPr/>
+      </p:nvGrpSpPr>
+      <p:grpSpPr>
+        <a:xfrm>
+          <a:off x="0" y="0"/>
+          <a:ext cx="0" cy="0"/>
+          <a:chOff x="0" y="0"/>
+          <a:chExt cx="0" cy="0"/>
+        </a:xfrm>
+      </p:grpSpPr>
+      <p:sp>
+        <p:nvSpPr>
+          <p:cNvPr id="2" name="제목 1">
+            <a:extLst>
+              <a:ext uri="{FF2B5EF4-FFF2-40B4-BE49-F238E27FC236}">
+                <a16:creationId xmlns:a16="http://schemas.microsoft.com/office/drawing/2014/main" id="{E404A9C8-E729-113E-D124-8794BC2D3FAC}"/>
+              </a:ext>
+            </a:extLst>
+          </p:cNvPr>
+          <p:cNvSpPr>
+            <a:spLocks noGrp="1"/>
+          </p:cNvSpPr>
+          <p:nvPr>
+            <p:ph type="title"/>
+          </p:nvPr>
+        </p:nvSpPr>
+        <p:spPr/>
+        <p:txBody>
+          <a:bodyPr/>
+          <a:lstStyle/>
+          <a:p>
+            <a:r>
+              <a:rPr lang="en-US" altLang="ko-KR" dirty="0"/>
+              <a:t>CLI results (cont’d)</a:t>
+            </a:r>
+            <a:endParaRPr lang="ko-KR" altLang="en-US" dirty="0"/>
+          </a:p>
+        </p:txBody>
+      </p:sp>
+      <p:sp>
+        <p:nvSpPr>
+          <p:cNvPr id="3" name="내용 개체 틀 2">
+            <a:extLst>
+              <a:ext uri="{FF2B5EF4-FFF2-40B4-BE49-F238E27FC236}">
+                <a16:creationId xmlns:a16="http://schemas.microsoft.com/office/drawing/2014/main" id="{C4E6B34E-21B6-0B65-01CE-D694C75E23C0}"/>
+              </a:ext>
+            </a:extLst>
+          </p:cNvPr>
+          <p:cNvSpPr>
+            <a:spLocks noGrp="1"/>
+          </p:cNvSpPr>
+          <p:nvPr>
+            <p:ph idx="1"/>
+          </p:nvPr>
+        </p:nvSpPr>
+        <p:spPr/>
+        <p:txBody>
+          <a:bodyPr/>
+          <a:lstStyle/>
+          <a:p>
+            <a:r>
+              <a:rPr lang="en-US" altLang="ko-KR" dirty="0"/>
+              <a:t>Speed measurement</a:t>
+            </a:r>
+          </a:p>
+          <a:p>
+            <a:pPr lvl="1"/>
+            <a:r>
+              <a:rPr lang="pt-BR" altLang="ko-KR" dirty="0"/>
+              <a:t>Modify examples/a121/algo/speed/processor.py</a:t>
+            </a:r>
+            <a:endParaRPr lang="ko-KR" altLang="en-US" dirty="0"/>
+          </a:p>
+        </p:txBody>
+      </p:sp>
+      <p:sp>
+        <p:nvSpPr>
+          <p:cNvPr id="4" name="슬라이드 번호 개체 틀 3">
+            <a:extLst>
+              <a:ext uri="{FF2B5EF4-FFF2-40B4-BE49-F238E27FC236}">
+                <a16:creationId xmlns:a16="http://schemas.microsoft.com/office/drawing/2014/main" id="{64BADDF8-F191-C9A9-E596-F8170DAC1BCF}"/>
+              </a:ext>
+            </a:extLst>
+          </p:cNvPr>
+          <p:cNvSpPr>
+            <a:spLocks noGrp="1"/>
+          </p:cNvSpPr>
+          <p:nvPr>
+            <p:ph type="sldNum" sz="quarter" idx="12"/>
+          </p:nvPr>
+        </p:nvSpPr>
+        <p:spPr/>
+        <p:txBody>
+          <a:bodyPr/>
+          <a:lstStyle/>
+          <a:p>
+            <a:pPr>
+              <a:defRPr/>
+            </a:pPr>
+            <a:fld id="{9ADE4ED7-93FA-4B85-98AD-405EEE6C66D8}" type="slidenum">
+              <a:rPr lang="ko-KR" altLang="en-US" smtClean="0"/>
+              <a:pPr>
+                <a:defRPr/>
+              </a:pPr>
+              <a:t>25</a:t>
+            </a:fld>
+            <a:endParaRPr lang="ko-KR" altLang="en-US" dirty="0"/>
+          </a:p>
+        </p:txBody>
+      </p:sp>
+      <p:pic>
+        <p:nvPicPr>
+          <p:cNvPr id="6" name="그림 5">
+            <a:extLst>
+              <a:ext uri="{FF2B5EF4-FFF2-40B4-BE49-F238E27FC236}">
+                <a16:creationId xmlns:a16="http://schemas.microsoft.com/office/drawing/2014/main" id="{697DFA27-8D26-244F-BD9D-B2EADB6F8F32}"/>
+              </a:ext>
+            </a:extLst>
+          </p:cNvPr>
+          <p:cNvPicPr>
+            <a:picLocks noChangeAspect="1"/>
+          </p:cNvPicPr>
+          <p:nvPr/>
+        </p:nvPicPr>
+        <p:blipFill>
+          <a:blip r:embed="rId2"/>
+          <a:stretch>
+            <a:fillRect/>
+          </a:stretch>
+        </p:blipFill>
+        <p:spPr>
+          <a:xfrm>
+            <a:off x="1043608" y="2375830"/>
+            <a:ext cx="2613075" cy="3861458"/>
+          </a:xfrm>
+          <a:prstGeom prst="rect">
+            <a:avLst/>
+          </a:prstGeom>
+        </p:spPr>
+      </p:pic>
+      <p:pic>
+        <p:nvPicPr>
+          <p:cNvPr id="8" name="그림 7">
+            <a:extLst>
+              <a:ext uri="{FF2B5EF4-FFF2-40B4-BE49-F238E27FC236}">
+                <a16:creationId xmlns:a16="http://schemas.microsoft.com/office/drawing/2014/main" id="{70BBC08B-B28C-0468-EC29-621DBCED49B2}"/>
+              </a:ext>
+            </a:extLst>
+          </p:cNvPr>
+          <p:cNvPicPr>
+            <a:picLocks noChangeAspect="1"/>
+          </p:cNvPicPr>
+          <p:nvPr/>
+        </p:nvPicPr>
+        <p:blipFill>
+          <a:blip r:embed="rId3"/>
+          <a:stretch>
+            <a:fillRect/>
+          </a:stretch>
+        </p:blipFill>
+        <p:spPr>
+          <a:xfrm>
+            <a:off x="4093126" y="2735488"/>
+            <a:ext cx="4368249" cy="3461370"/>
+          </a:xfrm>
+          <a:prstGeom prst="rect">
+            <a:avLst/>
+          </a:prstGeom>
+        </p:spPr>
+      </p:pic>
+      <p:sp>
+        <p:nvSpPr>
+          <p:cNvPr id="9" name="TextBox 8">
+            <a:extLst>
+              <a:ext uri="{FF2B5EF4-FFF2-40B4-BE49-F238E27FC236}">
+                <a16:creationId xmlns:a16="http://schemas.microsoft.com/office/drawing/2014/main" id="{DA201A8D-8A40-2B75-B611-70679E61837E}"/>
+              </a:ext>
+            </a:extLst>
+          </p:cNvPr>
+          <p:cNvSpPr txBox="1"/>
+          <p:nvPr/>
+        </p:nvSpPr>
+        <p:spPr>
+          <a:xfrm>
+            <a:off x="3158087" y="6289873"/>
+            <a:ext cx="2662717" cy="307777"/>
+          </a:xfrm>
+          <a:prstGeom prst="rect">
+            <a:avLst/>
+          </a:prstGeom>
+          <a:noFill/>
+        </p:spPr>
+        <p:txBody>
+          <a:bodyPr wrap="none" rtlCol="0">
+            <a:spAutoFit/>
+          </a:bodyPr>
+          <a:lstStyle/>
+          <a:p>
+            <a:r>
+              <a:rPr lang="en-US" altLang="ko-KR" sz="1400" dirty="0">
+                <a:latin typeface="+mj-lt"/>
+              </a:rPr>
+              <a:t>Figure 23. Speed measurement</a:t>
+            </a:r>
+            <a:endParaRPr lang="ko-KR" altLang="en-US" sz="1400" dirty="0">
+              <a:latin typeface="+mj-lt"/>
+            </a:endParaRPr>
+          </a:p>
+        </p:txBody>
+      </p:sp>
+    </p:spTree>
+    <p:extLst>
+      <p:ext uri="{BB962C8B-B14F-4D97-AF65-F5344CB8AC3E}">
+        <p14:creationId xmlns:p14="http://schemas.microsoft.com/office/powerpoint/2010/main" val="3120303716"/>
+      </p:ext>
+    </p:extLst>
+  </p:cSld>
+  <p:clrMapOvr>
+    <a:masterClrMapping/>
+  </p:clrMapOvr>
+</p:sld>
+</file>
+
+<file path=ppt/slides/slide26.xml><?xml version="1.0" encoding="utf-8"?>
+<p:sld xmlns:a="http://schemas.openxmlformats.org/drawingml/2006/main" xmlns:r="http://schemas.openxmlformats.org/officeDocument/2006/relationships" xmlns:p="http://schemas.openxmlformats.org/presentationml/2006/main">
+  <p:cSld>
+    <p:spTree>
+      <p:nvGrpSpPr>
+        <p:cNvPr id="1" name=""/>
+        <p:cNvGrpSpPr/>
+        <p:nvPr/>
+      </p:nvGrpSpPr>
+      <p:grpSpPr>
+        <a:xfrm>
+          <a:off x="0" y="0"/>
+          <a:ext cx="0" cy="0"/>
+          <a:chOff x="0" y="0"/>
+          <a:chExt cx="0" cy="0"/>
+        </a:xfrm>
+      </p:grpSpPr>
+      <p:pic>
+        <p:nvPicPr>
+          <p:cNvPr id="9" name="그림 8" descr="스크린샷, 텍스트, 다채로움, 레드이(가) 표시된 사진&#10;&#10;AI가 생성한 콘텐츠는 부정확할 수 있습니다.">
+            <a:extLst>
+              <a:ext uri="{FF2B5EF4-FFF2-40B4-BE49-F238E27FC236}">
+                <a16:creationId xmlns:a16="http://schemas.microsoft.com/office/drawing/2014/main" id="{02DD96BC-DDF3-9A72-3835-6E9948CAA382}"/>
+              </a:ext>
+            </a:extLst>
+          </p:cNvPr>
+          <p:cNvPicPr>
+            <a:picLocks noChangeAspect="1"/>
+          </p:cNvPicPr>
+          <p:nvPr/>
+        </p:nvPicPr>
+        <p:blipFill>
+          <a:blip r:embed="rId3" cstate="print">
+            <a:extLst>
+              <a:ext uri="{28A0092B-C50C-407E-A947-70E740481C1C}">
+                <a14:useLocalDpi xmlns:a14="http://schemas.microsoft.com/office/drawing/2010/main" val="0"/>
+              </a:ext>
+            </a:extLst>
+          </a:blip>
+          <a:stretch>
+            <a:fillRect/>
+          </a:stretch>
+        </p:blipFill>
+        <p:spPr>
+          <a:xfrm>
+            <a:off x="4644008" y="3234214"/>
+            <a:ext cx="4512461" cy="3008307"/>
+          </a:xfrm>
+          <a:prstGeom prst="rect">
+            <a:avLst/>
+          </a:prstGeom>
+        </p:spPr>
+      </p:pic>
+      <p:sp>
+        <p:nvSpPr>
+          <p:cNvPr id="2" name="제목 1">
+            <a:extLst>
+              <a:ext uri="{FF2B5EF4-FFF2-40B4-BE49-F238E27FC236}">
+                <a16:creationId xmlns:a16="http://schemas.microsoft.com/office/drawing/2014/main" id="{0539EE64-A322-220D-BB7F-632C352824D2}"/>
+              </a:ext>
+            </a:extLst>
+          </p:cNvPr>
+          <p:cNvSpPr>
+            <a:spLocks noGrp="1"/>
+          </p:cNvSpPr>
+          <p:nvPr>
+            <p:ph type="title"/>
+          </p:nvPr>
+        </p:nvSpPr>
+        <p:spPr/>
+        <p:txBody>
+          <a:bodyPr/>
+          <a:lstStyle/>
+          <a:p>
+            <a:r>
+              <a:rPr lang="en-US" altLang="ko-KR" dirty="0"/>
+              <a:t>CLI results (cont’d)</a:t>
+            </a:r>
+            <a:endParaRPr lang="ko-KR" altLang="en-US" dirty="0"/>
+          </a:p>
+        </p:txBody>
+      </p:sp>
+      <p:sp>
+        <p:nvSpPr>
+          <p:cNvPr id="3" name="내용 개체 틀 2">
+            <a:extLst>
+              <a:ext uri="{FF2B5EF4-FFF2-40B4-BE49-F238E27FC236}">
+                <a16:creationId xmlns:a16="http://schemas.microsoft.com/office/drawing/2014/main" id="{20897468-9606-805C-C456-A1C7B6F41701}"/>
+              </a:ext>
+            </a:extLst>
+          </p:cNvPr>
+          <p:cNvSpPr>
+            <a:spLocks noGrp="1"/>
+          </p:cNvSpPr>
+          <p:nvPr>
+            <p:ph idx="1"/>
+          </p:nvPr>
+        </p:nvSpPr>
+        <p:spPr/>
+        <p:txBody>
+          <a:bodyPr/>
+          <a:lstStyle/>
+          <a:p>
+            <a:r>
+              <a:rPr lang="en-US" altLang="ko-KR" dirty="0"/>
+              <a:t>Sparse IQ</a:t>
+            </a:r>
+          </a:p>
+          <a:p>
+            <a:pPr lvl="1"/>
+            <a:r>
+              <a:rPr lang="en-US" altLang="ko-KR" dirty="0"/>
+              <a:t>Modify example/a121/algo/sparse_iq/sparse_iq.py</a:t>
+            </a:r>
+          </a:p>
+          <a:p>
+            <a:pPr lvl="1"/>
+            <a:r>
+              <a:rPr lang="en-US" altLang="ko-KR" dirty="0"/>
+              <a:t>Range-doppler heatmap</a:t>
+            </a:r>
+          </a:p>
+          <a:p>
+            <a:pPr lvl="2"/>
+            <a:r>
+              <a:rPr lang="en-US" altLang="ko-KR" dirty="0"/>
+              <a:t>Range: from </a:t>
+            </a:r>
+            <a:r>
+              <a:rPr lang="en-US" altLang="ko-KR" dirty="0" err="1"/>
+              <a:t>start_point</a:t>
+            </a:r>
+            <a:r>
+              <a:rPr lang="en-US" altLang="ko-KR" dirty="0"/>
+              <a:t>*0.0025 to </a:t>
+            </a:r>
+            <a:r>
+              <a:rPr lang="en-US" altLang="ko-KR" dirty="0" err="1"/>
+              <a:t>start_point</a:t>
+            </a:r>
+            <a:r>
+              <a:rPr lang="en-US" altLang="ko-KR" dirty="0"/>
+              <a:t>*</a:t>
+            </a:r>
+            <a:r>
+              <a:rPr lang="en-US" altLang="ko-KR" dirty="0" err="1"/>
+              <a:t>step_size</a:t>
+            </a:r>
+            <a:r>
+              <a:rPr lang="en-US" altLang="ko-KR" dirty="0"/>
+              <a:t>*</a:t>
+            </a:r>
+            <a:r>
+              <a:rPr lang="en-US" altLang="ko-KR" dirty="0" err="1"/>
+              <a:t>num_points</a:t>
+            </a:r>
+            <a:endParaRPr lang="en-US" altLang="ko-KR" dirty="0"/>
+          </a:p>
+          <a:p>
+            <a:pPr lvl="3"/>
+            <a:r>
+              <a:rPr lang="en-US" altLang="ko-KR" dirty="0" err="1"/>
+              <a:t>Step_size</a:t>
+            </a:r>
+            <a:r>
+              <a:rPr lang="en-US" altLang="ko-KR" dirty="0"/>
+              <a:t> = </a:t>
+            </a:r>
+            <a:r>
+              <a:rPr lang="en-US" altLang="ko-KR" dirty="0" err="1"/>
+              <a:t>step_length</a:t>
+            </a:r>
+            <a:r>
+              <a:rPr lang="en-US" altLang="ko-KR" dirty="0"/>
+              <a:t>*0.0025</a:t>
+            </a:r>
+          </a:p>
+          <a:p>
+            <a:pPr lvl="2"/>
+            <a:r>
+              <a:rPr lang="en-US" altLang="ko-KR" dirty="0"/>
+              <a:t>Velocity: +- wavelength/(4*</a:t>
+            </a:r>
+            <a:r>
+              <a:rPr lang="en-US" altLang="ko-KR" dirty="0" err="1"/>
+              <a:t>sweep_period</a:t>
+            </a:r>
+            <a:r>
+              <a:rPr lang="en-US" altLang="ko-KR" dirty="0"/>
+              <a:t>)</a:t>
+            </a:r>
+          </a:p>
+          <a:p>
+            <a:pPr lvl="3"/>
+            <a:r>
+              <a:rPr lang="en-US" altLang="ko-KR" dirty="0" err="1"/>
+              <a:t>Sweep_period</a:t>
+            </a:r>
+            <a:r>
+              <a:rPr lang="en-US" altLang="ko-KR" dirty="0"/>
+              <a:t>=1.0/</a:t>
+            </a:r>
+            <a:r>
+              <a:rPr lang="en-US" altLang="ko-KR" dirty="0" err="1"/>
+              <a:t>sweep_rate</a:t>
+            </a:r>
+            <a:endParaRPr lang="en-US" altLang="ko-KR" dirty="0"/>
+          </a:p>
+          <a:p>
+            <a:pPr lvl="3"/>
+            <a:r>
+              <a:rPr lang="en-US" altLang="ko-KR" dirty="0" err="1"/>
+              <a:t>Step_size</a:t>
+            </a:r>
+            <a:r>
+              <a:rPr lang="en-US" altLang="ko-KR" dirty="0"/>
+              <a:t>=</a:t>
+            </a:r>
+            <a:r>
+              <a:rPr lang="en-US" altLang="ko-KR" dirty="0" err="1"/>
+              <a:t>sweeps_per_frame</a:t>
+            </a:r>
+            <a:endParaRPr lang="en-US" altLang="ko-KR" dirty="0"/>
+          </a:p>
+          <a:p>
+            <a:pPr lvl="2"/>
+            <a:endParaRPr lang="ko-KR" altLang="en-US" dirty="0"/>
+          </a:p>
+        </p:txBody>
+      </p:sp>
+      <p:sp>
+        <p:nvSpPr>
+          <p:cNvPr id="4" name="슬라이드 번호 개체 틀 3">
+            <a:extLst>
+              <a:ext uri="{FF2B5EF4-FFF2-40B4-BE49-F238E27FC236}">
+                <a16:creationId xmlns:a16="http://schemas.microsoft.com/office/drawing/2014/main" id="{795CC4D1-6D10-CDFA-5E47-0A79CD42B5B1}"/>
+              </a:ext>
+            </a:extLst>
+          </p:cNvPr>
+          <p:cNvSpPr>
+            <a:spLocks noGrp="1"/>
+          </p:cNvSpPr>
+          <p:nvPr>
+            <p:ph type="sldNum" sz="quarter" idx="12"/>
+          </p:nvPr>
+        </p:nvSpPr>
+        <p:spPr/>
+        <p:txBody>
+          <a:bodyPr/>
+          <a:lstStyle/>
+          <a:p>
+            <a:pPr>
+              <a:defRPr/>
+            </a:pPr>
+            <a:fld id="{9ADE4ED7-93FA-4B85-98AD-405EEE6C66D8}" type="slidenum">
+              <a:rPr lang="ko-KR" altLang="en-US" smtClean="0"/>
+              <a:pPr>
+                <a:defRPr/>
+              </a:pPr>
+              <a:t>26</a:t>
+            </a:fld>
+            <a:endParaRPr lang="ko-KR" altLang="en-US" dirty="0"/>
+          </a:p>
+        </p:txBody>
+      </p:sp>
+      <p:sp>
+        <p:nvSpPr>
+          <p:cNvPr id="7" name="TextBox 6">
+            <a:extLst>
+              <a:ext uri="{FF2B5EF4-FFF2-40B4-BE49-F238E27FC236}">
+                <a16:creationId xmlns:a16="http://schemas.microsoft.com/office/drawing/2014/main" id="{0201734B-F411-09EB-BCE3-C02410A796E9}"/>
+              </a:ext>
+            </a:extLst>
+          </p:cNvPr>
+          <p:cNvSpPr txBox="1"/>
+          <p:nvPr/>
+        </p:nvSpPr>
+        <p:spPr>
+          <a:xfrm>
+            <a:off x="2452775" y="6299145"/>
+            <a:ext cx="3805850" cy="307777"/>
+          </a:xfrm>
+          <a:prstGeom prst="rect">
+            <a:avLst/>
+          </a:prstGeom>
+          <a:noFill/>
+        </p:spPr>
+        <p:txBody>
+          <a:bodyPr wrap="none" rtlCol="0">
+            <a:spAutoFit/>
+          </a:bodyPr>
+          <a:lstStyle/>
+          <a:p>
+            <a:r>
+              <a:rPr lang="en-US" altLang="ko-KR" sz="1400" dirty="0">
+                <a:latin typeface="+mj-lt"/>
+              </a:rPr>
+              <a:t>Figure 24. Range-doppler heatmap of result 0</a:t>
+            </a:r>
+            <a:endParaRPr lang="ko-KR" altLang="en-US" sz="1400" dirty="0">
+              <a:latin typeface="+mj-lt"/>
+            </a:endParaRPr>
+          </a:p>
+        </p:txBody>
+      </p:sp>
+    </p:spTree>
+    <p:extLst>
+      <p:ext uri="{BB962C8B-B14F-4D97-AF65-F5344CB8AC3E}">
+        <p14:creationId xmlns:p14="http://schemas.microsoft.com/office/powerpoint/2010/main" val="174575671"/>
+      </p:ext>
+    </p:extLst>
+  </p:cSld>
+  <p:clrMapOvr>
+    <a:masterClrMapping/>
+  </p:clrMapOvr>
+</p:sld>
+</file>
+
+<file path=ppt/slides/slide27.xml><?xml version="1.0" encoding="utf-8"?>
+<p:sld xmlns:a="http://schemas.openxmlformats.org/drawingml/2006/main" xmlns:r="http://schemas.openxmlformats.org/officeDocument/2006/relationships" xmlns:p="http://schemas.openxmlformats.org/presentationml/2006/main">
+  <p:cSld>
+    <p:spTree>
+      <p:nvGrpSpPr>
+        <p:cNvPr id="1" name=""/>
+        <p:cNvGrpSpPr/>
+        <p:nvPr/>
+      </p:nvGrpSpPr>
+      <p:grpSpPr>
+        <a:xfrm>
+          <a:off x="0" y="0"/>
+          <a:ext cx="0" cy="0"/>
+          <a:chOff x="0" y="0"/>
+          <a:chExt cx="0" cy="0"/>
+        </a:xfrm>
+      </p:grpSpPr>
+      <p:sp>
+        <p:nvSpPr>
+          <p:cNvPr id="2" name="제목 1">
+            <a:extLst>
+              <a:ext uri="{FF2B5EF4-FFF2-40B4-BE49-F238E27FC236}">
                 <a16:creationId xmlns:a16="http://schemas.microsoft.com/office/drawing/2014/main" id="{7F656510-C5C4-5947-F27E-1353D777091D}"/>
               </a:ext>
             </a:extLst>
@@ -16295,8 +17204,8 @@
           </a:p>
         </p:txBody>
       </p:sp>
-      <mc:AlternateContent xmlns:mc="http://schemas.openxmlformats.org/markup-compatibility/2006">
-        <mc:Choice xmlns:a14="http://schemas.microsoft.com/office/drawing/2010/main" Requires="a14">
+      <mc:AlternateContent xmlns:mc="http://schemas.openxmlformats.org/markup-compatibility/2006" xmlns:a14="http://schemas.microsoft.com/office/drawing/2010/main">
+        <mc:Choice Requires="a14">
           <p:sp>
             <p:nvSpPr>
               <p:cNvPr id="3" name="내용 개체 틀 2">
@@ -16354,7 +17263,7 @@
                       <a:rPr lang="en-US" altLang="ko-KR" b="0" i="1" smtClean="0">
                         <a:latin typeface="Cambria Math" panose="02040503050406030204" pitchFamily="18" charset="0"/>
                       </a:rPr>
-                      <m:t>𝑎</m:t>
+                      <m:t>𝐼</m:t>
                     </m:r>
                     <m:r>
                       <a:rPr lang="en-US" altLang="ko-KR" b="0" i="1" smtClean="0">
@@ -16366,7 +17275,7 @@
                       <a:rPr lang="en-US" altLang="ko-KR" b="0" i="1" smtClean="0">
                         <a:latin typeface="Cambria Math" panose="02040503050406030204" pitchFamily="18" charset="0"/>
                       </a:rPr>
-                      <m:t>𝑏𝑖</m:t>
+                      <m:t>𝑄𝑗</m:t>
                     </m:r>
                   </m:oMath>
                 </a14:m>
@@ -16376,7 +17285,7 @@
                 </a:r>
                 <a:r>
                   <a:rPr lang="en-US" altLang="ko-KR" dirty="0"/>
-                  <a:t>may be extracted from the sensor</a:t>
+                  <a:t>can be extracted from the sensor of sweep and distance point</a:t>
                 </a:r>
               </a:p>
               <a:p>
@@ -16397,10 +17306,19 @@
                   <a:t>Heatmap can be created from the digital signal</a:t>
                 </a:r>
               </a:p>
+              <a:p>
+                <a:endParaRPr lang="en-US" altLang="ko-KR" dirty="0"/>
+              </a:p>
+              <a:p>
+                <a:r>
+                  <a:rPr lang="en-US" altLang="ko-KR" dirty="0"/>
+                  <a:t>Distance and speed data can be calculated</a:t>
+                </a:r>
+              </a:p>
             </p:txBody>
           </p:sp>
         </mc:Choice>
-        <mc:Fallback>
+        <mc:Fallback xmlns="">
           <p:sp>
             <p:nvSpPr>
               <p:cNvPr id="3" name="내용 개체 틀 2">
@@ -16469,7 +17387,7 @@
               <a:pPr>
                 <a:defRPr/>
               </a:pPr>
-              <a:t>24</a:t>
+              <a:t>27</a:t>
             </a:fld>
             <a:endParaRPr lang="ko-KR" altLang="en-US" dirty="0"/>
           </a:p>
@@ -16488,7 +17406,7 @@
 </p:sld>
 </file>
 
-<file path=ppt/slides/slide25.xml><?xml version="1.0" encoding="utf-8"?>
+<file path=ppt/slides/slide28.xml><?xml version="1.0" encoding="utf-8"?>
 <p:sld xmlns:a="http://schemas.openxmlformats.org/drawingml/2006/main" xmlns:r="http://schemas.openxmlformats.org/officeDocument/2006/relationships" xmlns:p="http://schemas.openxmlformats.org/presentationml/2006/main">
   <p:cSld>
     <p:spTree>
@@ -16599,7 +17517,7 @@
               <a:rPr lang="en-US" altLang="ko-KR" dirty="0">
                 <a:hlinkClick r:id="rId3"/>
               </a:rPr>
-              <a:t>https://matplotlib.org/stable/users/index.html</a:t>
+              <a:t>https://docs.acconeer.com/en/latest/exploration_tool/api/a121.html</a:t>
             </a:r>
             <a:endParaRPr lang="en-US" altLang="ko-KR" dirty="0"/>
           </a:p>
@@ -16608,6 +17526,16 @@
             <a:r>
               <a:rPr lang="en-US" altLang="ko-KR" dirty="0">
                 <a:hlinkClick r:id="rId4"/>
+              </a:rPr>
+              <a:t>https://matplotlib.org/stable/users/index.html</a:t>
+            </a:r>
+            <a:endParaRPr lang="en-US" altLang="ko-KR" dirty="0"/>
+          </a:p>
+          <a:p>
+            <a:pPr lvl="1"/>
+            <a:r>
+              <a:rPr lang="en-US" altLang="ko-KR" dirty="0">
+                <a:hlinkClick r:id="rId5"/>
               </a:rPr>
               <a:t>https://matplotlib.org/stable/gallery/mplot3d/index.html</a:t>
             </a:r>
@@ -16644,7 +17572,7 @@
               <a:pPr>
                 <a:defRPr/>
               </a:pPr>
-              <a:t>25</a:t>
+              <a:t>28</a:t>
             </a:fld>
             <a:endParaRPr lang="ko-KR" altLang="en-US" dirty="0"/>
           </a:p>
@@ -16654,6 +17582,229 @@
     <p:extLst>
       <p:ext uri="{BB962C8B-B14F-4D97-AF65-F5344CB8AC3E}">
         <p14:creationId xmlns:p14="http://schemas.microsoft.com/office/powerpoint/2010/main" val="2940878063"/>
+      </p:ext>
+    </p:extLst>
+  </p:cSld>
+  <p:clrMapOvr>
+    <a:masterClrMapping/>
+  </p:clrMapOvr>
+</p:sld>
+</file>
+
+<file path=ppt/slides/slide29.xml><?xml version="1.0" encoding="utf-8"?>
+<p:sld xmlns:a="http://schemas.openxmlformats.org/drawingml/2006/main" xmlns:r="http://schemas.openxmlformats.org/officeDocument/2006/relationships" xmlns:p="http://schemas.openxmlformats.org/presentationml/2006/main">
+  <p:cSld>
+    <p:spTree>
+      <p:nvGrpSpPr>
+        <p:cNvPr id="1" name=""/>
+        <p:cNvGrpSpPr/>
+        <p:nvPr/>
+      </p:nvGrpSpPr>
+      <p:grpSpPr>
+        <a:xfrm>
+          <a:off x="0" y="0"/>
+          <a:ext cx="0" cy="0"/>
+          <a:chOff x="0" y="0"/>
+          <a:chExt cx="0" cy="0"/>
+        </a:xfrm>
+      </p:grpSpPr>
+      <p:sp>
+        <p:nvSpPr>
+          <p:cNvPr id="2" name="제목 1">
+            <a:extLst>
+              <a:ext uri="{FF2B5EF4-FFF2-40B4-BE49-F238E27FC236}">
+                <a16:creationId xmlns:a16="http://schemas.microsoft.com/office/drawing/2014/main" id="{D0AE9D9E-F2F9-D4F3-5FE8-F0B48F38BED2}"/>
+              </a:ext>
+            </a:extLst>
+          </p:cNvPr>
+          <p:cNvSpPr>
+            <a:spLocks noGrp="1"/>
+          </p:cNvSpPr>
+          <p:nvPr>
+            <p:ph type="title"/>
+          </p:nvPr>
+        </p:nvSpPr>
+        <p:spPr/>
+        <p:txBody>
+          <a:bodyPr/>
+          <a:lstStyle/>
+          <a:p>
+            <a:r>
+              <a:rPr lang="en-US" altLang="ko-KR" dirty="0"/>
+              <a:t>Appendix</a:t>
+            </a:r>
+            <a:endParaRPr lang="ko-KR" altLang="en-US" dirty="0"/>
+          </a:p>
+        </p:txBody>
+      </p:sp>
+      <p:sp>
+        <p:nvSpPr>
+          <p:cNvPr id="3" name="내용 개체 틀 2">
+            <a:extLst>
+              <a:ext uri="{FF2B5EF4-FFF2-40B4-BE49-F238E27FC236}">
+                <a16:creationId xmlns:a16="http://schemas.microsoft.com/office/drawing/2014/main" id="{27AA8A1A-C95B-F2F6-A3EE-4490FE839285}"/>
+              </a:ext>
+            </a:extLst>
+          </p:cNvPr>
+          <p:cNvSpPr>
+            <a:spLocks noGrp="1"/>
+          </p:cNvSpPr>
+          <p:nvPr>
+            <p:ph idx="1"/>
+          </p:nvPr>
+        </p:nvSpPr>
+        <p:spPr/>
+        <p:txBody>
+          <a:bodyPr/>
+          <a:lstStyle/>
+          <a:p>
+            <a:r>
+              <a:rPr lang="en-US" altLang="ko-KR" dirty="0" err="1"/>
+              <a:t>Acconeer</a:t>
+            </a:r>
+            <a:r>
+              <a:rPr lang="en-US" altLang="ko-KR" dirty="0"/>
+              <a:t> software offers</a:t>
+            </a:r>
+          </a:p>
+          <a:p>
+            <a:pPr lvl="1"/>
+            <a:r>
+              <a:rPr lang="en-US" altLang="ko-KR" dirty="0"/>
+              <a:t>Service output is radar data with some pre-processing</a:t>
+            </a:r>
+          </a:p>
+          <a:p>
+            <a:pPr lvl="1"/>
+            <a:r>
+              <a:rPr lang="en-US" altLang="ko-KR" dirty="0"/>
+              <a:t>Detector output is based on service output but uses further processing to create a result such as a distance or presence detection</a:t>
+            </a:r>
+            <a:endParaRPr lang="ko-KR" altLang="en-US" dirty="0"/>
+          </a:p>
+        </p:txBody>
+      </p:sp>
+      <p:sp>
+        <p:nvSpPr>
+          <p:cNvPr id="4" name="슬라이드 번호 개체 틀 3">
+            <a:extLst>
+              <a:ext uri="{FF2B5EF4-FFF2-40B4-BE49-F238E27FC236}">
+                <a16:creationId xmlns:a16="http://schemas.microsoft.com/office/drawing/2014/main" id="{EBB7F30F-922B-D236-F0B9-772FD0EE65EF}"/>
+              </a:ext>
+            </a:extLst>
+          </p:cNvPr>
+          <p:cNvSpPr>
+            <a:spLocks noGrp="1"/>
+          </p:cNvSpPr>
+          <p:nvPr>
+            <p:ph type="sldNum" sz="quarter" idx="12"/>
+          </p:nvPr>
+        </p:nvSpPr>
+        <p:spPr/>
+        <p:txBody>
+          <a:bodyPr/>
+          <a:lstStyle/>
+          <a:p>
+            <a:pPr>
+              <a:defRPr/>
+            </a:pPr>
+            <a:fld id="{9ADE4ED7-93FA-4B85-98AD-405EEE6C66D8}" type="slidenum">
+              <a:rPr lang="ko-KR" altLang="en-US" smtClean="0"/>
+              <a:pPr>
+                <a:defRPr/>
+              </a:pPr>
+              <a:t>29</a:t>
+            </a:fld>
+            <a:endParaRPr lang="ko-KR" altLang="en-US" dirty="0"/>
+          </a:p>
+        </p:txBody>
+      </p:sp>
+      <p:pic>
+        <p:nvPicPr>
+          <p:cNvPr id="6" name="그림 5">
+            <a:extLst>
+              <a:ext uri="{FF2B5EF4-FFF2-40B4-BE49-F238E27FC236}">
+                <a16:creationId xmlns:a16="http://schemas.microsoft.com/office/drawing/2014/main" id="{9C77FC79-395E-914F-FEE9-649FF553C069}"/>
+              </a:ext>
+            </a:extLst>
+          </p:cNvPr>
+          <p:cNvPicPr>
+            <a:picLocks noChangeAspect="1"/>
+          </p:cNvPicPr>
+          <p:nvPr/>
+        </p:nvPicPr>
+        <p:blipFill>
+          <a:blip r:embed="rId2"/>
+          <a:stretch>
+            <a:fillRect/>
+          </a:stretch>
+        </p:blipFill>
+        <p:spPr>
+          <a:xfrm>
+            <a:off x="2483769" y="2751582"/>
+            <a:ext cx="3876736" cy="3538291"/>
+          </a:xfrm>
+          <a:prstGeom prst="rect">
+            <a:avLst/>
+          </a:prstGeom>
+        </p:spPr>
+      </p:pic>
+      <p:sp>
+        <p:nvSpPr>
+          <p:cNvPr id="7" name="TextBox 6">
+            <a:extLst>
+              <a:ext uri="{FF2B5EF4-FFF2-40B4-BE49-F238E27FC236}">
+                <a16:creationId xmlns:a16="http://schemas.microsoft.com/office/drawing/2014/main" id="{DF6B17C1-D295-B883-7415-07CEE05E8F4A}"/>
+              </a:ext>
+            </a:extLst>
+          </p:cNvPr>
+          <p:cNvSpPr txBox="1"/>
+          <p:nvPr/>
+        </p:nvSpPr>
+        <p:spPr>
+          <a:xfrm>
+            <a:off x="2915816" y="6289873"/>
+            <a:ext cx="3002297" cy="307777"/>
+          </a:xfrm>
+          <a:prstGeom prst="rect">
+            <a:avLst/>
+          </a:prstGeom>
+          <a:noFill/>
+        </p:spPr>
+        <p:txBody>
+          <a:bodyPr wrap="none" rtlCol="0">
+            <a:spAutoFit/>
+          </a:bodyPr>
+          <a:lstStyle/>
+          <a:p>
+            <a:r>
+              <a:rPr lang="en-US" altLang="ko-KR" sz="1400" dirty="0">
+                <a:latin typeface="+mj-lt"/>
+              </a:rPr>
+              <a:t>Figure 25. </a:t>
+            </a:r>
+            <a:r>
+              <a:rPr lang="en-US" altLang="ko-KR" sz="1400" dirty="0" err="1">
+                <a:latin typeface="+mj-lt"/>
+              </a:rPr>
+              <a:t>Acconeer</a:t>
+            </a:r>
+            <a:r>
+              <a:rPr lang="en-US" altLang="ko-KR" sz="1400" dirty="0">
+                <a:latin typeface="+mj-lt"/>
+              </a:rPr>
+              <a:t> software offers</a:t>
+            </a:r>
+            <a:endParaRPr lang="ko-KR" altLang="en-US" sz="1400" dirty="0">
+              <a:latin typeface="+mj-lt"/>
+            </a:endParaRPr>
+          </a:p>
+        </p:txBody>
+      </p:sp>
+    </p:spTree>
+    <p:extLst>
+      <p:ext uri="{BB962C8B-B14F-4D97-AF65-F5344CB8AC3E}">
+        <p14:creationId xmlns:p14="http://schemas.microsoft.com/office/powerpoint/2010/main" val="3039999942"/>
       </p:ext>
     </p:extLst>
   </p:cSld>
@@ -17118,6 +18269,402 @@
 </p:sld>
 </file>
 
+<file path=ppt/slides/slide30.xml><?xml version="1.0" encoding="utf-8"?>
+<p:sld xmlns:a="http://schemas.openxmlformats.org/drawingml/2006/main" xmlns:r="http://schemas.openxmlformats.org/officeDocument/2006/relationships" xmlns:p="http://schemas.openxmlformats.org/presentationml/2006/main">
+  <p:cSld>
+    <p:spTree>
+      <p:nvGrpSpPr>
+        <p:cNvPr id="1" name=""/>
+        <p:cNvGrpSpPr/>
+        <p:nvPr/>
+      </p:nvGrpSpPr>
+      <p:grpSpPr>
+        <a:xfrm>
+          <a:off x="0" y="0"/>
+          <a:ext cx="0" cy="0"/>
+          <a:chOff x="0" y="0"/>
+          <a:chExt cx="0" cy="0"/>
+        </a:xfrm>
+      </p:grpSpPr>
+      <p:sp>
+        <p:nvSpPr>
+          <p:cNvPr id="2" name="제목 1">
+            <a:extLst>
+              <a:ext uri="{FF2B5EF4-FFF2-40B4-BE49-F238E27FC236}">
+                <a16:creationId xmlns:a16="http://schemas.microsoft.com/office/drawing/2014/main" id="{5157D84A-268B-8FD0-5F6D-945312647688}"/>
+              </a:ext>
+            </a:extLst>
+          </p:cNvPr>
+          <p:cNvSpPr>
+            <a:spLocks noGrp="1"/>
+          </p:cNvSpPr>
+          <p:nvPr>
+            <p:ph type="title"/>
+          </p:nvPr>
+        </p:nvSpPr>
+        <p:spPr/>
+        <p:txBody>
+          <a:bodyPr/>
+          <a:lstStyle/>
+          <a:p>
+            <a:r>
+              <a:rPr lang="en-US" altLang="ko-KR" dirty="0"/>
+              <a:t>Appendix (cont’d)</a:t>
+            </a:r>
+            <a:endParaRPr lang="ko-KR" altLang="en-US" dirty="0"/>
+          </a:p>
+        </p:txBody>
+      </p:sp>
+      <p:sp>
+        <p:nvSpPr>
+          <p:cNvPr id="3" name="내용 개체 틀 2">
+            <a:extLst>
+              <a:ext uri="{FF2B5EF4-FFF2-40B4-BE49-F238E27FC236}">
+                <a16:creationId xmlns:a16="http://schemas.microsoft.com/office/drawing/2014/main" id="{3F5AFB0C-F0FA-5F17-F2CF-9FAA0FC4EBFC}"/>
+              </a:ext>
+            </a:extLst>
+          </p:cNvPr>
+          <p:cNvSpPr>
+            <a:spLocks noGrp="1"/>
+          </p:cNvSpPr>
+          <p:nvPr>
+            <p:ph idx="1"/>
+          </p:nvPr>
+        </p:nvSpPr>
+        <p:spPr/>
+        <p:txBody>
+          <a:bodyPr/>
+          <a:lstStyle/>
+          <a:p>
+            <a:r>
+              <a:rPr lang="en-US" altLang="ko-KR" dirty="0"/>
+              <a:t>Custom Range FFT</a:t>
+            </a:r>
+          </a:p>
+        </p:txBody>
+      </p:sp>
+      <p:sp>
+        <p:nvSpPr>
+          <p:cNvPr id="4" name="슬라이드 번호 개체 틀 3">
+            <a:extLst>
+              <a:ext uri="{FF2B5EF4-FFF2-40B4-BE49-F238E27FC236}">
+                <a16:creationId xmlns:a16="http://schemas.microsoft.com/office/drawing/2014/main" id="{C4CD5DEC-8283-7841-0E28-3BA8E11B12B2}"/>
+              </a:ext>
+            </a:extLst>
+          </p:cNvPr>
+          <p:cNvSpPr>
+            <a:spLocks noGrp="1"/>
+          </p:cNvSpPr>
+          <p:nvPr>
+            <p:ph type="sldNum" sz="quarter" idx="12"/>
+          </p:nvPr>
+        </p:nvSpPr>
+        <p:spPr/>
+        <p:txBody>
+          <a:bodyPr/>
+          <a:lstStyle/>
+          <a:p>
+            <a:pPr>
+              <a:defRPr/>
+            </a:pPr>
+            <a:fld id="{9ADE4ED7-93FA-4B85-98AD-405EEE6C66D8}" type="slidenum">
+              <a:rPr lang="ko-KR" altLang="en-US" smtClean="0"/>
+              <a:pPr>
+                <a:defRPr/>
+              </a:pPr>
+              <a:t>30</a:t>
+            </a:fld>
+            <a:endParaRPr lang="ko-KR" altLang="en-US" dirty="0"/>
+          </a:p>
+        </p:txBody>
+      </p:sp>
+      <p:pic>
+        <p:nvPicPr>
+          <p:cNvPr id="8" name="그림 7" descr="텍스트, 그래프, 라인, 도표이(가) 표시된 사진&#10;&#10;AI가 생성한 콘텐츠는 부정확할 수 있습니다.">
+            <a:extLst>
+              <a:ext uri="{FF2B5EF4-FFF2-40B4-BE49-F238E27FC236}">
+                <a16:creationId xmlns:a16="http://schemas.microsoft.com/office/drawing/2014/main" id="{364CB6BD-3DDC-A6FB-4A48-F92DCE13504F}"/>
+              </a:ext>
+            </a:extLst>
+          </p:cNvPr>
+          <p:cNvPicPr>
+            <a:picLocks noChangeAspect="1"/>
+          </p:cNvPicPr>
+          <p:nvPr/>
+        </p:nvPicPr>
+        <p:blipFill>
+          <a:blip r:embed="rId2">
+            <a:extLst>
+              <a:ext uri="{28A0092B-C50C-407E-A947-70E740481C1C}">
+                <a14:useLocalDpi xmlns:a14="http://schemas.microsoft.com/office/drawing/2010/main" val="0"/>
+              </a:ext>
+            </a:extLst>
+          </a:blip>
+          <a:stretch>
+            <a:fillRect/>
+          </a:stretch>
+        </p:blipFill>
+        <p:spPr>
+          <a:xfrm>
+            <a:off x="1872239" y="2420888"/>
+            <a:ext cx="5328084" cy="3552056"/>
+          </a:xfrm>
+          <a:prstGeom prst="rect">
+            <a:avLst/>
+          </a:prstGeom>
+        </p:spPr>
+      </p:pic>
+      <p:sp>
+        <p:nvSpPr>
+          <p:cNvPr id="9" name="TextBox 8">
+            <a:extLst>
+              <a:ext uri="{FF2B5EF4-FFF2-40B4-BE49-F238E27FC236}">
+                <a16:creationId xmlns:a16="http://schemas.microsoft.com/office/drawing/2014/main" id="{93D6CDDE-D06C-423E-8B62-FF2079230FB3}"/>
+              </a:ext>
+            </a:extLst>
+          </p:cNvPr>
+          <p:cNvSpPr txBox="1"/>
+          <p:nvPr/>
+        </p:nvSpPr>
+        <p:spPr>
+          <a:xfrm>
+            <a:off x="3593523" y="6136730"/>
+            <a:ext cx="1885516" cy="307777"/>
+          </a:xfrm>
+          <a:prstGeom prst="rect">
+            <a:avLst/>
+          </a:prstGeom>
+          <a:noFill/>
+        </p:spPr>
+        <p:txBody>
+          <a:bodyPr wrap="none" rtlCol="0">
+            <a:spAutoFit/>
+          </a:bodyPr>
+          <a:lstStyle/>
+          <a:p>
+            <a:r>
+              <a:rPr lang="en-US" altLang="ko-KR" sz="1400" dirty="0">
+                <a:latin typeface="+mj-lt"/>
+              </a:rPr>
+              <a:t>Figure 26. Range FFT</a:t>
+            </a:r>
+            <a:endParaRPr lang="ko-KR" altLang="en-US" sz="1400" dirty="0">
+              <a:latin typeface="+mj-lt"/>
+            </a:endParaRPr>
+          </a:p>
+        </p:txBody>
+      </p:sp>
+    </p:spTree>
+    <p:extLst>
+      <p:ext uri="{BB962C8B-B14F-4D97-AF65-F5344CB8AC3E}">
+        <p14:creationId xmlns:p14="http://schemas.microsoft.com/office/powerpoint/2010/main" val="173535011"/>
+      </p:ext>
+    </p:extLst>
+  </p:cSld>
+  <p:clrMapOvr>
+    <a:masterClrMapping/>
+  </p:clrMapOvr>
+</p:sld>
+</file>
+
+<file path=ppt/slides/slide31.xml><?xml version="1.0" encoding="utf-8"?>
+<p:sld xmlns:a="http://schemas.openxmlformats.org/drawingml/2006/main" xmlns:r="http://schemas.openxmlformats.org/officeDocument/2006/relationships" xmlns:p="http://schemas.openxmlformats.org/presentationml/2006/main">
+  <p:cSld>
+    <p:spTree>
+      <p:nvGrpSpPr>
+        <p:cNvPr id="1" name=""/>
+        <p:cNvGrpSpPr/>
+        <p:nvPr/>
+      </p:nvGrpSpPr>
+      <p:grpSpPr>
+        <a:xfrm>
+          <a:off x="0" y="0"/>
+          <a:ext cx="0" cy="0"/>
+          <a:chOff x="0" y="0"/>
+          <a:chExt cx="0" cy="0"/>
+        </a:xfrm>
+      </p:grpSpPr>
+      <p:sp>
+        <p:nvSpPr>
+          <p:cNvPr id="2" name="제목 1">
+            <a:extLst>
+              <a:ext uri="{FF2B5EF4-FFF2-40B4-BE49-F238E27FC236}">
+                <a16:creationId xmlns:a16="http://schemas.microsoft.com/office/drawing/2014/main" id="{A54AB8CD-CA26-BCF6-355F-E85DA594F5BE}"/>
+              </a:ext>
+            </a:extLst>
+          </p:cNvPr>
+          <p:cNvSpPr>
+            <a:spLocks noGrp="1"/>
+          </p:cNvSpPr>
+          <p:nvPr>
+            <p:ph type="title"/>
+          </p:nvPr>
+        </p:nvSpPr>
+        <p:spPr/>
+        <p:txBody>
+          <a:bodyPr/>
+          <a:lstStyle/>
+          <a:p>
+            <a:r>
+              <a:rPr lang="en-US" altLang="ko-KR" dirty="0"/>
+              <a:t>Appendix (cont’d)</a:t>
+            </a:r>
+            <a:endParaRPr lang="ko-KR" altLang="en-US" dirty="0"/>
+          </a:p>
+        </p:txBody>
+      </p:sp>
+      <p:sp>
+        <p:nvSpPr>
+          <p:cNvPr id="3" name="내용 개체 틀 2">
+            <a:extLst>
+              <a:ext uri="{FF2B5EF4-FFF2-40B4-BE49-F238E27FC236}">
+                <a16:creationId xmlns:a16="http://schemas.microsoft.com/office/drawing/2014/main" id="{06868DB8-418C-A171-5F13-A5B51C8E5707}"/>
+              </a:ext>
+            </a:extLst>
+          </p:cNvPr>
+          <p:cNvSpPr>
+            <a:spLocks noGrp="1"/>
+          </p:cNvSpPr>
+          <p:nvPr>
+            <p:ph idx="1"/>
+          </p:nvPr>
+        </p:nvSpPr>
+        <p:spPr/>
+        <p:txBody>
+          <a:bodyPr/>
+          <a:lstStyle/>
+          <a:p>
+            <a:r>
+              <a:rPr lang="en-US" altLang="ko-KR" dirty="0"/>
+              <a:t>Custom range-doppler heatmap</a:t>
+            </a:r>
+          </a:p>
+        </p:txBody>
+      </p:sp>
+      <p:sp>
+        <p:nvSpPr>
+          <p:cNvPr id="4" name="슬라이드 번호 개체 틀 3">
+            <a:extLst>
+              <a:ext uri="{FF2B5EF4-FFF2-40B4-BE49-F238E27FC236}">
+                <a16:creationId xmlns:a16="http://schemas.microsoft.com/office/drawing/2014/main" id="{FACF9333-8F02-E299-C3E8-619A5CC4BD4E}"/>
+              </a:ext>
+            </a:extLst>
+          </p:cNvPr>
+          <p:cNvSpPr>
+            <a:spLocks noGrp="1"/>
+          </p:cNvSpPr>
+          <p:nvPr>
+            <p:ph type="sldNum" sz="quarter" idx="12"/>
+          </p:nvPr>
+        </p:nvSpPr>
+        <p:spPr/>
+        <p:txBody>
+          <a:bodyPr/>
+          <a:lstStyle/>
+          <a:p>
+            <a:pPr>
+              <a:defRPr/>
+            </a:pPr>
+            <a:fld id="{9ADE4ED7-93FA-4B85-98AD-405EEE6C66D8}" type="slidenum">
+              <a:rPr lang="ko-KR" altLang="en-US" smtClean="0"/>
+              <a:pPr>
+                <a:defRPr/>
+              </a:pPr>
+              <a:t>31</a:t>
+            </a:fld>
+            <a:endParaRPr lang="ko-KR" altLang="en-US" dirty="0"/>
+          </a:p>
+        </p:txBody>
+      </p:sp>
+      <p:pic>
+        <p:nvPicPr>
+          <p:cNvPr id="6" name="그림 5" descr="스크린샷, 다채로움, 디스플레이, 텍스트이(가) 표시된 사진&#10;&#10;AI가 생성한 콘텐츠는 부정확할 수 있습니다.">
+            <a:extLst>
+              <a:ext uri="{FF2B5EF4-FFF2-40B4-BE49-F238E27FC236}">
+                <a16:creationId xmlns:a16="http://schemas.microsoft.com/office/drawing/2014/main" id="{D0A6C2DF-C338-08E1-D541-511C2884CEA9}"/>
+              </a:ext>
+            </a:extLst>
+          </p:cNvPr>
+          <p:cNvPicPr>
+            <a:picLocks noChangeAspect="1"/>
+          </p:cNvPicPr>
+          <p:nvPr/>
+        </p:nvPicPr>
+        <p:blipFill>
+          <a:blip r:embed="rId2">
+            <a:extLst>
+              <a:ext uri="{28A0092B-C50C-407E-A947-70E740481C1C}">
+                <a14:useLocalDpi xmlns:a14="http://schemas.microsoft.com/office/drawing/2010/main" val="0"/>
+              </a:ext>
+            </a:extLst>
+          </a:blip>
+          <a:stretch>
+            <a:fillRect/>
+          </a:stretch>
+        </p:blipFill>
+        <p:spPr>
+          <a:xfrm>
+            <a:off x="1349896" y="2187211"/>
+            <a:ext cx="6444208" cy="4296139"/>
+          </a:xfrm>
+          <a:prstGeom prst="rect">
+            <a:avLst/>
+          </a:prstGeom>
+        </p:spPr>
+      </p:pic>
+      <p:sp>
+        <p:nvSpPr>
+          <p:cNvPr id="7" name="TextBox 6">
+            <a:extLst>
+              <a:ext uri="{FF2B5EF4-FFF2-40B4-BE49-F238E27FC236}">
+                <a16:creationId xmlns:a16="http://schemas.microsoft.com/office/drawing/2014/main" id="{94ED080A-453D-D788-9E5D-01814D0E7748}"/>
+              </a:ext>
+            </a:extLst>
+          </p:cNvPr>
+          <p:cNvSpPr txBox="1"/>
+          <p:nvPr/>
+        </p:nvSpPr>
+        <p:spPr>
+          <a:xfrm>
+            <a:off x="2555776" y="6443761"/>
+            <a:ext cx="3316870" cy="307777"/>
+          </a:xfrm>
+          <a:prstGeom prst="rect">
+            <a:avLst/>
+          </a:prstGeom>
+          <a:noFill/>
+        </p:spPr>
+        <p:txBody>
+          <a:bodyPr wrap="none" rtlCol="0">
+            <a:spAutoFit/>
+          </a:bodyPr>
+          <a:lstStyle/>
+          <a:p>
+            <a:r>
+              <a:rPr lang="en-US" altLang="ko-KR" sz="1400" dirty="0">
+                <a:latin typeface="+mj-lt"/>
+              </a:rPr>
+              <a:t>Figure 27. Range-Doppler FFT heatmap</a:t>
+            </a:r>
+            <a:endParaRPr lang="ko-KR" altLang="en-US" sz="1400" dirty="0">
+              <a:latin typeface="+mj-lt"/>
+            </a:endParaRPr>
+          </a:p>
+        </p:txBody>
+      </p:sp>
+    </p:spTree>
+    <p:extLst>
+      <p:ext uri="{BB962C8B-B14F-4D97-AF65-F5344CB8AC3E}">
+        <p14:creationId xmlns:p14="http://schemas.microsoft.com/office/powerpoint/2010/main" val="3578052211"/>
+      </p:ext>
+    </p:extLst>
+  </p:cSld>
+  <p:clrMapOvr>
+    <a:masterClrMapping/>
+  </p:clrMapOvr>
+</p:sld>
+</file>
+
 <file path=ppt/slides/slide4.xml><?xml version="1.0" encoding="utf-8"?>
 <p:sld xmlns:a="http://schemas.openxmlformats.org/drawingml/2006/main" xmlns:r="http://schemas.openxmlformats.org/officeDocument/2006/relationships" xmlns:p="http://schemas.openxmlformats.org/presentationml/2006/main">
   <p:cSld>
@@ -17328,113 +18875,6 @@
           <a:chExt cx="0" cy="0"/>
         </a:xfrm>
       </p:grpSpPr>
-      <p:sp>
-        <p:nvSpPr>
-          <p:cNvPr id="2" name="제목 1">
-            <a:extLst>
-              <a:ext uri="{FF2B5EF4-FFF2-40B4-BE49-F238E27FC236}">
-                <a16:creationId xmlns:a16="http://schemas.microsoft.com/office/drawing/2014/main" id="{2CEFCAA8-A415-A4A1-323C-7EB61D23E3EE}"/>
-              </a:ext>
-            </a:extLst>
-          </p:cNvPr>
-          <p:cNvSpPr>
-            <a:spLocks noGrp="1"/>
-          </p:cNvSpPr>
-          <p:nvPr>
-            <p:ph type="title"/>
-          </p:nvPr>
-        </p:nvSpPr>
-        <p:spPr/>
-        <p:txBody>
-          <a:bodyPr/>
-          <a:lstStyle/>
-          <a:p>
-            <a:r>
-              <a:rPr lang="en-US" altLang="ko-KR" dirty="0"/>
-              <a:t>Schematic (cont’d)</a:t>
-            </a:r>
-            <a:endParaRPr lang="ko-KR" altLang="en-US" dirty="0"/>
-          </a:p>
-        </p:txBody>
-      </p:sp>
-      <p:sp>
-        <p:nvSpPr>
-          <p:cNvPr id="3" name="내용 개체 틀 2">
-            <a:extLst>
-              <a:ext uri="{FF2B5EF4-FFF2-40B4-BE49-F238E27FC236}">
-                <a16:creationId xmlns:a16="http://schemas.microsoft.com/office/drawing/2014/main" id="{DE35C206-8B9E-0FDF-D4AC-7FCA5448B0E0}"/>
-              </a:ext>
-            </a:extLst>
-          </p:cNvPr>
-          <p:cNvSpPr>
-            <a:spLocks noGrp="1"/>
-          </p:cNvSpPr>
-          <p:nvPr>
-            <p:ph idx="1"/>
-          </p:nvPr>
-        </p:nvSpPr>
-        <p:spPr/>
-        <p:txBody>
-          <a:bodyPr/>
-          <a:lstStyle/>
-          <a:p>
-            <a:r>
-              <a:rPr lang="en-US" altLang="ko-KR" dirty="0"/>
-              <a:t>A121</a:t>
-            </a:r>
-          </a:p>
-          <a:p>
-            <a:pPr lvl="1"/>
-            <a:r>
-              <a:rPr lang="en-US" altLang="ko-KR" dirty="0"/>
-              <a:t>1 Tx antenna and 1 Rx antenna</a:t>
-            </a:r>
-          </a:p>
-          <a:p>
-            <a:pPr lvl="1"/>
-            <a:r>
-              <a:rPr lang="en-US" altLang="ko-KR" dirty="0"/>
-              <a:t>Serial Peripheral Interface(SPI) communication with MCU</a:t>
-            </a:r>
-            <a:endParaRPr lang="ko-KR" altLang="en-US" dirty="0"/>
-          </a:p>
-        </p:txBody>
-      </p:sp>
-      <p:sp>
-        <p:nvSpPr>
-          <p:cNvPr id="4" name="슬라이드 번호 개체 틀 3">
-            <a:extLst>
-              <a:ext uri="{FF2B5EF4-FFF2-40B4-BE49-F238E27FC236}">
-                <a16:creationId xmlns:a16="http://schemas.microsoft.com/office/drawing/2014/main" id="{D786FD0C-C536-86A1-214F-D7769B79394D}"/>
-              </a:ext>
-            </a:extLst>
-          </p:cNvPr>
-          <p:cNvSpPr>
-            <a:spLocks noGrp="1"/>
-          </p:cNvSpPr>
-          <p:nvPr>
-            <p:ph type="sldNum" sz="quarter" idx="12"/>
-          </p:nvPr>
-        </p:nvSpPr>
-        <p:spPr/>
-        <p:txBody>
-          <a:bodyPr/>
-          <a:lstStyle/>
-          <a:p>
-            <a:pPr>
-              <a:defRPr/>
-            </a:pPr>
-            <a:fld id="{9ADE4ED7-93FA-4B85-98AD-405EEE6C66D8}" type="slidenum">
-              <a:rPr lang="ko-KR" altLang="en-US" smtClean="0"/>
-              <a:pPr>
-                <a:defRPr/>
-              </a:pPr>
-              <a:t>5</a:t>
-            </a:fld>
-            <a:endParaRPr lang="ko-KR" altLang="en-US" dirty="0"/>
-          </a:p>
-        </p:txBody>
-      </p:sp>
       <p:pic>
         <p:nvPicPr>
           <p:cNvPr id="6" name="그림 5">
@@ -17465,6 +18905,113 @@
           </a:prstGeom>
         </p:spPr>
       </p:pic>
+      <p:sp>
+        <p:nvSpPr>
+          <p:cNvPr id="2" name="제목 1">
+            <a:extLst>
+              <a:ext uri="{FF2B5EF4-FFF2-40B4-BE49-F238E27FC236}">
+                <a16:creationId xmlns:a16="http://schemas.microsoft.com/office/drawing/2014/main" id="{2CEFCAA8-A415-A4A1-323C-7EB61D23E3EE}"/>
+              </a:ext>
+            </a:extLst>
+          </p:cNvPr>
+          <p:cNvSpPr>
+            <a:spLocks noGrp="1"/>
+          </p:cNvSpPr>
+          <p:nvPr>
+            <p:ph type="title"/>
+          </p:nvPr>
+        </p:nvSpPr>
+        <p:spPr/>
+        <p:txBody>
+          <a:bodyPr/>
+          <a:lstStyle/>
+          <a:p>
+            <a:r>
+              <a:rPr lang="en-US" altLang="ko-KR" dirty="0"/>
+              <a:t>Schematic (cont’d)</a:t>
+            </a:r>
+            <a:endParaRPr lang="ko-KR" altLang="en-US" dirty="0"/>
+          </a:p>
+        </p:txBody>
+      </p:sp>
+      <p:sp>
+        <p:nvSpPr>
+          <p:cNvPr id="3" name="내용 개체 틀 2">
+            <a:extLst>
+              <a:ext uri="{FF2B5EF4-FFF2-40B4-BE49-F238E27FC236}">
+                <a16:creationId xmlns:a16="http://schemas.microsoft.com/office/drawing/2014/main" id="{DE35C206-8B9E-0FDF-D4AC-7FCA5448B0E0}"/>
+              </a:ext>
+            </a:extLst>
+          </p:cNvPr>
+          <p:cNvSpPr>
+            <a:spLocks noGrp="1"/>
+          </p:cNvSpPr>
+          <p:nvPr>
+            <p:ph idx="1"/>
+          </p:nvPr>
+        </p:nvSpPr>
+        <p:spPr/>
+        <p:txBody>
+          <a:bodyPr/>
+          <a:lstStyle/>
+          <a:p>
+            <a:r>
+              <a:rPr lang="en-US" altLang="ko-KR" dirty="0"/>
+              <a:t>A121</a:t>
+            </a:r>
+          </a:p>
+          <a:p>
+            <a:pPr lvl="1"/>
+            <a:r>
+              <a:rPr lang="en-US" altLang="ko-KR" dirty="0"/>
+              <a:t>1 Tx antenna and 1 Rx antenna</a:t>
+            </a:r>
+          </a:p>
+          <a:p>
+            <a:pPr lvl="1"/>
+            <a:r>
+              <a:rPr lang="en-US" altLang="ko-KR" dirty="0"/>
+              <a:t>Serial Peripheral Interface(SPI) communication with MCU</a:t>
+            </a:r>
+            <a:endParaRPr lang="ko-KR" altLang="en-US" dirty="0"/>
+          </a:p>
+        </p:txBody>
+      </p:sp>
+      <p:sp>
+        <p:nvSpPr>
+          <p:cNvPr id="4" name="슬라이드 번호 개체 틀 3">
+            <a:extLst>
+              <a:ext uri="{FF2B5EF4-FFF2-40B4-BE49-F238E27FC236}">
+                <a16:creationId xmlns:a16="http://schemas.microsoft.com/office/drawing/2014/main" id="{D786FD0C-C536-86A1-214F-D7769B79394D}"/>
+              </a:ext>
+            </a:extLst>
+          </p:cNvPr>
+          <p:cNvSpPr>
+            <a:spLocks noGrp="1"/>
+          </p:cNvSpPr>
+          <p:nvPr>
+            <p:ph type="sldNum" sz="quarter" idx="12"/>
+          </p:nvPr>
+        </p:nvSpPr>
+        <p:spPr/>
+        <p:txBody>
+          <a:bodyPr/>
+          <a:lstStyle/>
+          <a:p>
+            <a:pPr>
+              <a:defRPr/>
+            </a:pPr>
+            <a:fld id="{9ADE4ED7-93FA-4B85-98AD-405EEE6C66D8}" type="slidenum">
+              <a:rPr lang="ko-KR" altLang="en-US" smtClean="0"/>
+              <a:pPr>
+                <a:defRPr/>
+              </a:pPr>
+              <a:t>5</a:t>
+            </a:fld>
+            <a:endParaRPr lang="ko-KR" altLang="en-US" dirty="0"/>
+          </a:p>
+        </p:txBody>
+      </p:sp>
       <p:sp>
         <p:nvSpPr>
           <p:cNvPr id="7" name="TextBox 6">
